--- a/Religion/Incarnation/UR9_PPT_Ch11_MissionJustice without answers.pptx
+++ b/Religion/Incarnation/UR9_PPT_Ch11_MissionJustice without answers.pptx
@@ -275,7 +275,7 @@
             <a:fld id="{C68B4371-4D27-1C4D-9FF2-09832907D336}" type="datetimeFigureOut">
               <a:rPr lang="en-AU" altLang="en-US"/>
               <a:pPr/>
-              <a:t>8/11/2021</a:t>
+              <a:t>11/11/2021</a:t>
             </a:fld>
             <a:endParaRPr lang="en-AU" altLang="en-US"/>
           </a:p>
@@ -638,7 +638,7 @@
               </a14:hiddenFill>
             </a:ext>
             <a:ext uri="{FAA26D3D-D897-4be2-8F04-BA451C77F1D7}">
-              <ma14:placeholderFlag xmlns:ma14="http://schemas.microsoft.com/office/mac/drawingml/2011/main" xmlns="" val="1"/>
+              <ma14:placeholderFlag xmlns="" xmlns:ma14="http://schemas.microsoft.com/office/mac/drawingml/2011/main" val="1"/>
             </a:ext>
           </a:extLst>
         </p:spPr>
@@ -674,7 +674,7 @@
               </a14:hiddenLine>
             </a:ext>
             <a:ext uri="{FAA26D3D-D897-4be2-8F04-BA451C77F1D7}">
-              <ma14:placeholderFlag xmlns:ma14="http://schemas.microsoft.com/office/mac/drawingml/2011/main" xmlns="" val="1"/>
+              <ma14:placeholderFlag xmlns="" xmlns:ma14="http://schemas.microsoft.com/office/mac/drawingml/2011/main" val="1"/>
             </a:ext>
           </a:extLst>
         </p:spPr>
@@ -907,7 +907,7 @@
               </a14:hiddenFill>
             </a:ext>
             <a:ext uri="{FAA26D3D-D897-4be2-8F04-BA451C77F1D7}">
-              <ma14:placeholderFlag xmlns:ma14="http://schemas.microsoft.com/office/mac/drawingml/2011/main" xmlns="" val="1"/>
+              <ma14:placeholderFlag xmlns="" xmlns:ma14="http://schemas.microsoft.com/office/mac/drawingml/2011/main" val="1"/>
             </a:ext>
           </a:extLst>
         </p:spPr>
@@ -943,7 +943,7 @@
               </a14:hiddenLine>
             </a:ext>
             <a:ext uri="{FAA26D3D-D897-4be2-8F04-BA451C77F1D7}">
-              <ma14:placeholderFlag xmlns:ma14="http://schemas.microsoft.com/office/mac/drawingml/2011/main" xmlns="" val="1"/>
+              <ma14:placeholderFlag xmlns="" xmlns:ma14="http://schemas.microsoft.com/office/mac/drawingml/2011/main" val="1"/>
             </a:ext>
           </a:extLst>
         </p:spPr>
@@ -1176,7 +1176,7 @@
               </a14:hiddenFill>
             </a:ext>
             <a:ext uri="{FAA26D3D-D897-4be2-8F04-BA451C77F1D7}">
-              <ma14:placeholderFlag xmlns:ma14="http://schemas.microsoft.com/office/mac/drawingml/2011/main" xmlns="" val="1"/>
+              <ma14:placeholderFlag xmlns="" xmlns:ma14="http://schemas.microsoft.com/office/mac/drawingml/2011/main" val="1"/>
             </a:ext>
           </a:extLst>
         </p:spPr>
@@ -1212,7 +1212,7 @@
               </a14:hiddenLine>
             </a:ext>
             <a:ext uri="{FAA26D3D-D897-4be2-8F04-BA451C77F1D7}">
-              <ma14:placeholderFlag xmlns:ma14="http://schemas.microsoft.com/office/mac/drawingml/2011/main" xmlns="" val="1"/>
+              <ma14:placeholderFlag xmlns="" xmlns:ma14="http://schemas.microsoft.com/office/mac/drawingml/2011/main" val="1"/>
             </a:ext>
           </a:extLst>
         </p:spPr>
@@ -1445,7 +1445,7 @@
               </a14:hiddenFill>
             </a:ext>
             <a:ext uri="{FAA26D3D-D897-4be2-8F04-BA451C77F1D7}">
-              <ma14:placeholderFlag xmlns:ma14="http://schemas.microsoft.com/office/mac/drawingml/2011/main" xmlns="" val="1"/>
+              <ma14:placeholderFlag xmlns="" xmlns:ma14="http://schemas.microsoft.com/office/mac/drawingml/2011/main" val="1"/>
             </a:ext>
           </a:extLst>
         </p:spPr>
@@ -1481,7 +1481,7 @@
               </a14:hiddenLine>
             </a:ext>
             <a:ext uri="{FAA26D3D-D897-4be2-8F04-BA451C77F1D7}">
-              <ma14:placeholderFlag xmlns:ma14="http://schemas.microsoft.com/office/mac/drawingml/2011/main" xmlns="" val="1"/>
+              <ma14:placeholderFlag xmlns="" xmlns:ma14="http://schemas.microsoft.com/office/mac/drawingml/2011/main" val="1"/>
             </a:ext>
           </a:extLst>
         </p:spPr>
@@ -1714,7 +1714,7 @@
               </a14:hiddenFill>
             </a:ext>
             <a:ext uri="{FAA26D3D-D897-4be2-8F04-BA451C77F1D7}">
-              <ma14:placeholderFlag xmlns:ma14="http://schemas.microsoft.com/office/mac/drawingml/2011/main" xmlns="" val="1"/>
+              <ma14:placeholderFlag xmlns="" xmlns:ma14="http://schemas.microsoft.com/office/mac/drawingml/2011/main" val="1"/>
             </a:ext>
           </a:extLst>
         </p:spPr>
@@ -1750,7 +1750,7 @@
               </a14:hiddenLine>
             </a:ext>
             <a:ext uri="{FAA26D3D-D897-4be2-8F04-BA451C77F1D7}">
-              <ma14:placeholderFlag xmlns:ma14="http://schemas.microsoft.com/office/mac/drawingml/2011/main" xmlns="" val="1"/>
+              <ma14:placeholderFlag xmlns="" xmlns:ma14="http://schemas.microsoft.com/office/mac/drawingml/2011/main" val="1"/>
             </a:ext>
           </a:extLst>
         </p:spPr>
@@ -1983,7 +1983,7 @@
               </a14:hiddenFill>
             </a:ext>
             <a:ext uri="{FAA26D3D-D897-4be2-8F04-BA451C77F1D7}">
-              <ma14:placeholderFlag xmlns:ma14="http://schemas.microsoft.com/office/mac/drawingml/2011/main" xmlns="" val="1"/>
+              <ma14:placeholderFlag xmlns="" xmlns:ma14="http://schemas.microsoft.com/office/mac/drawingml/2011/main" val="1"/>
             </a:ext>
           </a:extLst>
         </p:spPr>
@@ -2019,7 +2019,7 @@
               </a14:hiddenLine>
             </a:ext>
             <a:ext uri="{FAA26D3D-D897-4be2-8F04-BA451C77F1D7}">
-              <ma14:placeholderFlag xmlns:ma14="http://schemas.microsoft.com/office/mac/drawingml/2011/main" xmlns="" val="1"/>
+              <ma14:placeholderFlag xmlns="" xmlns:ma14="http://schemas.microsoft.com/office/mac/drawingml/2011/main" val="1"/>
             </a:ext>
           </a:extLst>
         </p:spPr>
@@ -2252,7 +2252,7 @@
               </a14:hiddenFill>
             </a:ext>
             <a:ext uri="{FAA26D3D-D897-4be2-8F04-BA451C77F1D7}">
-              <ma14:placeholderFlag xmlns:ma14="http://schemas.microsoft.com/office/mac/drawingml/2011/main" xmlns="" val="1"/>
+              <ma14:placeholderFlag xmlns="" xmlns:ma14="http://schemas.microsoft.com/office/mac/drawingml/2011/main" val="1"/>
             </a:ext>
           </a:extLst>
         </p:spPr>
@@ -2288,7 +2288,7 @@
               </a14:hiddenLine>
             </a:ext>
             <a:ext uri="{FAA26D3D-D897-4be2-8F04-BA451C77F1D7}">
-              <ma14:placeholderFlag xmlns:ma14="http://schemas.microsoft.com/office/mac/drawingml/2011/main" xmlns="" val="1"/>
+              <ma14:placeholderFlag xmlns="" xmlns:ma14="http://schemas.microsoft.com/office/mac/drawingml/2011/main" val="1"/>
             </a:ext>
           </a:extLst>
         </p:spPr>
@@ -2521,7 +2521,7 @@
               </a14:hiddenFill>
             </a:ext>
             <a:ext uri="{FAA26D3D-D897-4be2-8F04-BA451C77F1D7}">
-              <ma14:placeholderFlag xmlns:ma14="http://schemas.microsoft.com/office/mac/drawingml/2011/main" xmlns="" val="1"/>
+              <ma14:placeholderFlag xmlns="" xmlns:ma14="http://schemas.microsoft.com/office/mac/drawingml/2011/main" val="1"/>
             </a:ext>
           </a:extLst>
         </p:spPr>
@@ -2557,7 +2557,7 @@
               </a14:hiddenLine>
             </a:ext>
             <a:ext uri="{FAA26D3D-D897-4be2-8F04-BA451C77F1D7}">
-              <ma14:placeholderFlag xmlns:ma14="http://schemas.microsoft.com/office/mac/drawingml/2011/main" xmlns="" val="1"/>
+              <ma14:placeholderFlag xmlns="" xmlns:ma14="http://schemas.microsoft.com/office/mac/drawingml/2011/main" val="1"/>
             </a:ext>
           </a:extLst>
         </p:spPr>
@@ -2790,7 +2790,7 @@
               </a14:hiddenFill>
             </a:ext>
             <a:ext uri="{FAA26D3D-D897-4be2-8F04-BA451C77F1D7}">
-              <ma14:placeholderFlag xmlns:ma14="http://schemas.microsoft.com/office/mac/drawingml/2011/main" xmlns="" val="1"/>
+              <ma14:placeholderFlag xmlns="" xmlns:ma14="http://schemas.microsoft.com/office/mac/drawingml/2011/main" val="1"/>
             </a:ext>
           </a:extLst>
         </p:spPr>
@@ -2826,7 +2826,7 @@
               </a14:hiddenLine>
             </a:ext>
             <a:ext uri="{FAA26D3D-D897-4be2-8F04-BA451C77F1D7}">
-              <ma14:placeholderFlag xmlns:ma14="http://schemas.microsoft.com/office/mac/drawingml/2011/main" xmlns="" val="1"/>
+              <ma14:placeholderFlag xmlns="" xmlns:ma14="http://schemas.microsoft.com/office/mac/drawingml/2011/main" val="1"/>
             </a:ext>
           </a:extLst>
         </p:spPr>
@@ -3059,7 +3059,7 @@
               </a14:hiddenFill>
             </a:ext>
             <a:ext uri="{FAA26D3D-D897-4be2-8F04-BA451C77F1D7}">
-              <ma14:placeholderFlag xmlns:ma14="http://schemas.microsoft.com/office/mac/drawingml/2011/main" xmlns="" val="1"/>
+              <ma14:placeholderFlag xmlns="" xmlns:ma14="http://schemas.microsoft.com/office/mac/drawingml/2011/main" val="1"/>
             </a:ext>
           </a:extLst>
         </p:spPr>
@@ -3095,7 +3095,7 @@
               </a14:hiddenLine>
             </a:ext>
             <a:ext uri="{FAA26D3D-D897-4be2-8F04-BA451C77F1D7}">
-              <ma14:placeholderFlag xmlns:ma14="http://schemas.microsoft.com/office/mac/drawingml/2011/main" xmlns="" val="1"/>
+              <ma14:placeholderFlag xmlns="" xmlns:ma14="http://schemas.microsoft.com/office/mac/drawingml/2011/main" val="1"/>
             </a:ext>
           </a:extLst>
         </p:spPr>
@@ -3328,7 +3328,7 @@
               </a14:hiddenFill>
             </a:ext>
             <a:ext uri="{FAA26D3D-D897-4be2-8F04-BA451C77F1D7}">
-              <ma14:placeholderFlag xmlns:ma14="http://schemas.microsoft.com/office/mac/drawingml/2011/main" xmlns="" val="1"/>
+              <ma14:placeholderFlag xmlns="" xmlns:ma14="http://schemas.microsoft.com/office/mac/drawingml/2011/main" val="1"/>
             </a:ext>
           </a:extLst>
         </p:spPr>
@@ -3364,7 +3364,7 @@
               </a14:hiddenLine>
             </a:ext>
             <a:ext uri="{FAA26D3D-D897-4be2-8F04-BA451C77F1D7}">
-              <ma14:placeholderFlag xmlns:ma14="http://schemas.microsoft.com/office/mac/drawingml/2011/main" xmlns="" val="1"/>
+              <ma14:placeholderFlag xmlns="" xmlns:ma14="http://schemas.microsoft.com/office/mac/drawingml/2011/main" val="1"/>
             </a:ext>
           </a:extLst>
         </p:spPr>
@@ -3597,7 +3597,7 @@
               </a14:hiddenFill>
             </a:ext>
             <a:ext uri="{FAA26D3D-D897-4be2-8F04-BA451C77F1D7}">
-              <ma14:placeholderFlag xmlns:ma14="http://schemas.microsoft.com/office/mac/drawingml/2011/main" xmlns="" val="1"/>
+              <ma14:placeholderFlag xmlns="" xmlns:ma14="http://schemas.microsoft.com/office/mac/drawingml/2011/main" val="1"/>
             </a:ext>
           </a:extLst>
         </p:spPr>
@@ -3633,7 +3633,7 @@
               </a14:hiddenLine>
             </a:ext>
             <a:ext uri="{FAA26D3D-D897-4be2-8F04-BA451C77F1D7}">
-              <ma14:placeholderFlag xmlns:ma14="http://schemas.microsoft.com/office/mac/drawingml/2011/main" xmlns="" val="1"/>
+              <ma14:placeholderFlag xmlns="" xmlns:ma14="http://schemas.microsoft.com/office/mac/drawingml/2011/main" val="1"/>
             </a:ext>
           </a:extLst>
         </p:spPr>
@@ -3894,14 +3894,14 @@
           </a:ln>
           <a:extLst>
             <a:ext uri="{909E8E84-426E-40dd-AFC4-6F175D3DCCD1}">
-              <a14:hiddenFill xmlns="" xmlns:a14="http://schemas.microsoft.com/office/drawing/2010/main">
+              <a14:hiddenFill xmlns:a14="http://schemas.microsoft.com/office/drawing/2010/main" xmlns="">
                 <a:solidFill>
                   <a:srgbClr val="FFFFFF"/>
                 </a:solidFill>
               </a14:hiddenFill>
             </a:ext>
             <a:ext uri="{91240B29-F687-4f45-9708-019B960494DF}">
-              <a14:hiddenLine xmlns="" xmlns:a14="http://schemas.microsoft.com/office/drawing/2010/main" w="9525">
+              <a14:hiddenLine xmlns:a14="http://schemas.microsoft.com/office/drawing/2010/main" xmlns="" w="9525">
                 <a:solidFill>
                   <a:srgbClr val="000000"/>
                 </a:solidFill>
@@ -4069,14 +4069,14 @@
           </a:ln>
           <a:extLst>
             <a:ext uri="{909E8E84-426E-40dd-AFC4-6F175D3DCCD1}">
-              <a14:hiddenFill xmlns="" xmlns:a14="http://schemas.microsoft.com/office/drawing/2010/main">
+              <a14:hiddenFill xmlns:a14="http://schemas.microsoft.com/office/drawing/2010/main" xmlns="">
                 <a:solidFill>
                   <a:srgbClr val="FFFFFF"/>
                 </a:solidFill>
               </a14:hiddenFill>
             </a:ext>
             <a:ext uri="{91240B29-F687-4f45-9708-019B960494DF}">
-              <a14:hiddenLine xmlns="" xmlns:a14="http://schemas.microsoft.com/office/drawing/2010/main" w="9525">
+              <a14:hiddenLine xmlns:a14="http://schemas.microsoft.com/office/drawing/2010/main" xmlns="" w="9525">
                 <a:solidFill>
                   <a:srgbClr val="000000"/>
                 </a:solidFill>
@@ -4459,7 +4459,7 @@
             <a:fld id="{443E7D17-E725-EE47-B8D7-450DAB4C4357}" type="datetime1">
               <a:rPr lang="en-AU" altLang="en-US"/>
               <a:pPr/>
-              <a:t>8/11/2021</a:t>
+              <a:t>11/11/2021</a:t>
             </a:fld>
             <a:endParaRPr lang="en-AU" altLang="en-US"/>
           </a:p>
@@ -4636,14 +4636,14 @@
           </a:ln>
           <a:extLst>
             <a:ext uri="{909E8E84-426E-40dd-AFC4-6F175D3DCCD1}">
-              <a14:hiddenFill xmlns="" xmlns:a14="http://schemas.microsoft.com/office/drawing/2010/main">
+              <a14:hiddenFill xmlns:a14="http://schemas.microsoft.com/office/drawing/2010/main" xmlns="">
                 <a:solidFill>
                   <a:srgbClr val="FFFFFF"/>
                 </a:solidFill>
               </a14:hiddenFill>
             </a:ext>
             <a:ext uri="{91240B29-F687-4f45-9708-019B960494DF}">
-              <a14:hiddenLine xmlns="" xmlns:a14="http://schemas.microsoft.com/office/drawing/2010/main" w="9525">
+              <a14:hiddenLine xmlns:a14="http://schemas.microsoft.com/office/drawing/2010/main" xmlns="" w="9525">
                 <a:solidFill>
                   <a:srgbClr val="000000"/>
                 </a:solidFill>
@@ -4811,14 +4811,14 @@
           </a:ln>
           <a:extLst>
             <a:ext uri="{909E8E84-426E-40dd-AFC4-6F175D3DCCD1}">
-              <a14:hiddenFill xmlns="" xmlns:a14="http://schemas.microsoft.com/office/drawing/2010/main">
+              <a14:hiddenFill xmlns:a14="http://schemas.microsoft.com/office/drawing/2010/main" xmlns="">
                 <a:solidFill>
                   <a:srgbClr val="FFFFFF"/>
                 </a:solidFill>
               </a14:hiddenFill>
             </a:ext>
             <a:ext uri="{91240B29-F687-4f45-9708-019B960494DF}">
-              <a14:hiddenLine xmlns="" xmlns:a14="http://schemas.microsoft.com/office/drawing/2010/main" w="9525">
+              <a14:hiddenLine xmlns:a14="http://schemas.microsoft.com/office/drawing/2010/main" xmlns="" w="9525">
                 <a:solidFill>
                   <a:srgbClr val="000000"/>
                 </a:solidFill>
@@ -5129,7 +5129,7 @@
             <a:fld id="{27E33158-16C2-774B-ACA9-307C38D98934}" type="datetime1">
               <a:rPr lang="en-AU" altLang="en-US"/>
               <a:pPr/>
-              <a:t>8/11/2021</a:t>
+              <a:t>11/11/2021</a:t>
             </a:fld>
             <a:endParaRPr lang="en-AU" altLang="en-US"/>
           </a:p>
@@ -5306,14 +5306,14 @@
           </a:ln>
           <a:extLst>
             <a:ext uri="{909E8E84-426E-40dd-AFC4-6F175D3DCCD1}">
-              <a14:hiddenFill xmlns="" xmlns:a14="http://schemas.microsoft.com/office/drawing/2010/main">
+              <a14:hiddenFill xmlns:a14="http://schemas.microsoft.com/office/drawing/2010/main" xmlns="">
                 <a:solidFill>
                   <a:srgbClr val="FFFFFF"/>
                 </a:solidFill>
               </a14:hiddenFill>
             </a:ext>
             <a:ext uri="{91240B29-F687-4f45-9708-019B960494DF}">
-              <a14:hiddenLine xmlns="" xmlns:a14="http://schemas.microsoft.com/office/drawing/2010/main" w="9525">
+              <a14:hiddenLine xmlns:a14="http://schemas.microsoft.com/office/drawing/2010/main" xmlns="" w="9525">
                 <a:solidFill>
                   <a:srgbClr val="000000"/>
                 </a:solidFill>
@@ -5481,14 +5481,14 @@
           </a:ln>
           <a:extLst>
             <a:ext uri="{909E8E84-426E-40dd-AFC4-6F175D3DCCD1}">
-              <a14:hiddenFill xmlns="" xmlns:a14="http://schemas.microsoft.com/office/drawing/2010/main">
+              <a14:hiddenFill xmlns:a14="http://schemas.microsoft.com/office/drawing/2010/main" xmlns="">
                 <a:solidFill>
                   <a:srgbClr val="FFFFFF"/>
                 </a:solidFill>
               </a14:hiddenFill>
             </a:ext>
             <a:ext uri="{91240B29-F687-4f45-9708-019B960494DF}">
-              <a14:hiddenLine xmlns="" xmlns:a14="http://schemas.microsoft.com/office/drawing/2010/main" w="9525">
+              <a14:hiddenLine xmlns:a14="http://schemas.microsoft.com/office/drawing/2010/main" xmlns="" w="9525">
                 <a:solidFill>
                   <a:srgbClr val="000000"/>
                 </a:solidFill>
@@ -5809,7 +5809,7 @@
             <a:fld id="{66D4D0D3-DEAE-874D-99EE-635B43788ACB}" type="datetime1">
               <a:rPr lang="en-AU" altLang="en-US"/>
               <a:pPr/>
-              <a:t>8/11/2021</a:t>
+              <a:t>11/11/2021</a:t>
             </a:fld>
             <a:endParaRPr lang="en-AU" altLang="en-US"/>
           </a:p>
@@ -5986,14 +5986,14 @@
           </a:ln>
           <a:extLst>
             <a:ext uri="{909E8E84-426E-40dd-AFC4-6F175D3DCCD1}">
-              <a14:hiddenFill xmlns="" xmlns:a14="http://schemas.microsoft.com/office/drawing/2010/main">
+              <a14:hiddenFill xmlns:a14="http://schemas.microsoft.com/office/drawing/2010/main" xmlns="">
                 <a:solidFill>
                   <a:srgbClr val="FFFFFF"/>
                 </a:solidFill>
               </a14:hiddenFill>
             </a:ext>
             <a:ext uri="{91240B29-F687-4f45-9708-019B960494DF}">
-              <a14:hiddenLine xmlns="" xmlns:a14="http://schemas.microsoft.com/office/drawing/2010/main" w="9525">
+              <a14:hiddenLine xmlns:a14="http://schemas.microsoft.com/office/drawing/2010/main" xmlns="" w="9525">
                 <a:solidFill>
                   <a:srgbClr val="000000"/>
                 </a:solidFill>
@@ -6161,14 +6161,14 @@
           </a:ln>
           <a:extLst>
             <a:ext uri="{909E8E84-426E-40dd-AFC4-6F175D3DCCD1}">
-              <a14:hiddenFill xmlns="" xmlns:a14="http://schemas.microsoft.com/office/drawing/2010/main">
+              <a14:hiddenFill xmlns:a14="http://schemas.microsoft.com/office/drawing/2010/main" xmlns="">
                 <a:solidFill>
                   <a:srgbClr val="FFFFFF"/>
                 </a:solidFill>
               </a14:hiddenFill>
             </a:ext>
             <a:ext uri="{91240B29-F687-4f45-9708-019B960494DF}">
-              <a14:hiddenLine xmlns="" xmlns:a14="http://schemas.microsoft.com/office/drawing/2010/main" w="9525">
+              <a14:hiddenLine xmlns:a14="http://schemas.microsoft.com/office/drawing/2010/main" xmlns="" w="9525">
                 <a:solidFill>
                   <a:srgbClr val="000000"/>
                 </a:solidFill>
@@ -6479,7 +6479,7 @@
             <a:fld id="{4DC09201-E5B4-7C4D-9435-A3961EC00C6D}" type="datetime1">
               <a:rPr lang="en-AU" altLang="en-US"/>
               <a:pPr/>
-              <a:t>8/11/2021</a:t>
+              <a:t>11/11/2021</a:t>
             </a:fld>
             <a:endParaRPr lang="en-AU" altLang="en-US"/>
           </a:p>
@@ -6656,14 +6656,14 @@
           </a:ln>
           <a:extLst>
             <a:ext uri="{909E8E84-426E-40dd-AFC4-6F175D3DCCD1}">
-              <a14:hiddenFill xmlns="" xmlns:a14="http://schemas.microsoft.com/office/drawing/2010/main">
+              <a14:hiddenFill xmlns:a14="http://schemas.microsoft.com/office/drawing/2010/main" xmlns="">
                 <a:solidFill>
                   <a:srgbClr val="FFFFFF"/>
                 </a:solidFill>
               </a14:hiddenFill>
             </a:ext>
             <a:ext uri="{91240B29-F687-4f45-9708-019B960494DF}">
-              <a14:hiddenLine xmlns="" xmlns:a14="http://schemas.microsoft.com/office/drawing/2010/main" w="9525">
+              <a14:hiddenLine xmlns:a14="http://schemas.microsoft.com/office/drawing/2010/main" xmlns="" w="9525">
                 <a:solidFill>
                   <a:srgbClr val="000000"/>
                 </a:solidFill>
@@ -6831,14 +6831,14 @@
           </a:ln>
           <a:extLst>
             <a:ext uri="{909E8E84-426E-40dd-AFC4-6F175D3DCCD1}">
-              <a14:hiddenFill xmlns="" xmlns:a14="http://schemas.microsoft.com/office/drawing/2010/main">
+              <a14:hiddenFill xmlns:a14="http://schemas.microsoft.com/office/drawing/2010/main" xmlns="">
                 <a:solidFill>
                   <a:srgbClr val="FFFFFF"/>
                 </a:solidFill>
               </a14:hiddenFill>
             </a:ext>
             <a:ext uri="{91240B29-F687-4f45-9708-019B960494DF}">
-              <a14:hiddenLine xmlns="" xmlns:a14="http://schemas.microsoft.com/office/drawing/2010/main" w="9525">
+              <a14:hiddenLine xmlns:a14="http://schemas.microsoft.com/office/drawing/2010/main" xmlns="" w="9525">
                 <a:solidFill>
                   <a:srgbClr val="000000"/>
                 </a:solidFill>
@@ -7225,7 +7225,7 @@
             <a:fld id="{C3A9FAD1-E832-C841-946F-0BCEFAC3D10C}" type="datetime1">
               <a:rPr lang="en-AU" altLang="en-US"/>
               <a:pPr/>
-              <a:t>8/11/2021</a:t>
+              <a:t>11/11/2021</a:t>
             </a:fld>
             <a:endParaRPr lang="en-AU" altLang="en-US"/>
           </a:p>
@@ -7402,14 +7402,14 @@
           </a:ln>
           <a:extLst>
             <a:ext uri="{909E8E84-426E-40dd-AFC4-6F175D3DCCD1}">
-              <a14:hiddenFill xmlns="" xmlns:a14="http://schemas.microsoft.com/office/drawing/2010/main">
+              <a14:hiddenFill xmlns:a14="http://schemas.microsoft.com/office/drawing/2010/main" xmlns="">
                 <a:solidFill>
                   <a:srgbClr val="FFFFFF"/>
                 </a:solidFill>
               </a14:hiddenFill>
             </a:ext>
             <a:ext uri="{91240B29-F687-4f45-9708-019B960494DF}">
-              <a14:hiddenLine xmlns="" xmlns:a14="http://schemas.microsoft.com/office/drawing/2010/main" w="9525">
+              <a14:hiddenLine xmlns:a14="http://schemas.microsoft.com/office/drawing/2010/main" xmlns="" w="9525">
                 <a:solidFill>
                   <a:srgbClr val="000000"/>
                 </a:solidFill>
@@ -7577,14 +7577,14 @@
           </a:ln>
           <a:extLst>
             <a:ext uri="{909E8E84-426E-40dd-AFC4-6F175D3DCCD1}">
-              <a14:hiddenFill xmlns="" xmlns:a14="http://schemas.microsoft.com/office/drawing/2010/main">
+              <a14:hiddenFill xmlns:a14="http://schemas.microsoft.com/office/drawing/2010/main" xmlns="">
                 <a:solidFill>
                   <a:srgbClr val="FFFFFF"/>
                 </a:solidFill>
               </a14:hiddenFill>
             </a:ext>
             <a:ext uri="{91240B29-F687-4f45-9708-019B960494DF}">
-              <a14:hiddenLine xmlns="" xmlns:a14="http://schemas.microsoft.com/office/drawing/2010/main" w="9525">
+              <a14:hiddenLine xmlns:a14="http://schemas.microsoft.com/office/drawing/2010/main" xmlns="" w="9525">
                 <a:solidFill>
                   <a:srgbClr val="000000"/>
                 </a:solidFill>
@@ -8013,7 +8013,7 @@
             <a:fld id="{CD01CD21-9612-3644-BCA8-CAC379AE99FD}" type="datetime1">
               <a:rPr lang="en-AU" altLang="en-US"/>
               <a:pPr/>
-              <a:t>8/11/2021</a:t>
+              <a:t>11/11/2021</a:t>
             </a:fld>
             <a:endParaRPr lang="en-AU" altLang="en-US"/>
           </a:p>
@@ -8190,14 +8190,14 @@
           </a:ln>
           <a:extLst>
             <a:ext uri="{909E8E84-426E-40dd-AFC4-6F175D3DCCD1}">
-              <a14:hiddenFill xmlns="" xmlns:a14="http://schemas.microsoft.com/office/drawing/2010/main">
+              <a14:hiddenFill xmlns:a14="http://schemas.microsoft.com/office/drawing/2010/main" xmlns="">
                 <a:solidFill>
                   <a:srgbClr val="FFFFFF"/>
                 </a:solidFill>
               </a14:hiddenFill>
             </a:ext>
             <a:ext uri="{91240B29-F687-4f45-9708-019B960494DF}">
-              <a14:hiddenLine xmlns="" xmlns:a14="http://schemas.microsoft.com/office/drawing/2010/main" w="9525">
+              <a14:hiddenLine xmlns:a14="http://schemas.microsoft.com/office/drawing/2010/main" xmlns="" w="9525">
                 <a:solidFill>
                   <a:srgbClr val="000000"/>
                 </a:solidFill>
@@ -8365,14 +8365,14 @@
           </a:ln>
           <a:extLst>
             <a:ext uri="{909E8E84-426E-40dd-AFC4-6F175D3DCCD1}">
-              <a14:hiddenFill xmlns="" xmlns:a14="http://schemas.microsoft.com/office/drawing/2010/main">
+              <a14:hiddenFill xmlns:a14="http://schemas.microsoft.com/office/drawing/2010/main" xmlns="">
                 <a:solidFill>
                   <a:srgbClr val="FFFFFF"/>
                 </a:solidFill>
               </a14:hiddenFill>
             </a:ext>
             <a:ext uri="{91240B29-F687-4f45-9708-019B960494DF}">
-              <a14:hiddenLine xmlns="" xmlns:a14="http://schemas.microsoft.com/office/drawing/2010/main" w="9525">
+              <a14:hiddenLine xmlns:a14="http://schemas.microsoft.com/office/drawing/2010/main" xmlns="" w="9525">
                 <a:solidFill>
                   <a:srgbClr val="000000"/>
                 </a:solidFill>
@@ -8935,7 +8935,7 @@
             <a:fld id="{BDCFB559-8BA9-294C-A9A5-55FD01B70F5F}" type="datetime1">
               <a:rPr lang="en-AU" altLang="en-US"/>
               <a:pPr/>
-              <a:t>8/11/2021</a:t>
+              <a:t>11/11/2021</a:t>
             </a:fld>
             <a:endParaRPr lang="en-AU" altLang="en-US"/>
           </a:p>
@@ -9112,14 +9112,14 @@
           </a:ln>
           <a:extLst>
             <a:ext uri="{909E8E84-426E-40dd-AFC4-6F175D3DCCD1}">
-              <a14:hiddenFill xmlns="" xmlns:a14="http://schemas.microsoft.com/office/drawing/2010/main">
+              <a14:hiddenFill xmlns:a14="http://schemas.microsoft.com/office/drawing/2010/main" xmlns="">
                 <a:solidFill>
                   <a:srgbClr val="FFFFFF"/>
                 </a:solidFill>
               </a14:hiddenFill>
             </a:ext>
             <a:ext uri="{91240B29-F687-4f45-9708-019B960494DF}">
-              <a14:hiddenLine xmlns="" xmlns:a14="http://schemas.microsoft.com/office/drawing/2010/main" w="9525">
+              <a14:hiddenLine xmlns:a14="http://schemas.microsoft.com/office/drawing/2010/main" xmlns="" w="9525">
                 <a:solidFill>
                   <a:srgbClr val="000000"/>
                 </a:solidFill>
@@ -9287,14 +9287,14 @@
           </a:ln>
           <a:extLst>
             <a:ext uri="{909E8E84-426E-40dd-AFC4-6F175D3DCCD1}">
-              <a14:hiddenFill xmlns="" xmlns:a14="http://schemas.microsoft.com/office/drawing/2010/main">
+              <a14:hiddenFill xmlns:a14="http://schemas.microsoft.com/office/drawing/2010/main" xmlns="">
                 <a:solidFill>
                   <a:srgbClr val="FFFFFF"/>
                 </a:solidFill>
               </a14:hiddenFill>
             </a:ext>
             <a:ext uri="{91240B29-F687-4f45-9708-019B960494DF}">
-              <a14:hiddenLine xmlns="" xmlns:a14="http://schemas.microsoft.com/office/drawing/2010/main" w="9525">
+              <a14:hiddenLine xmlns:a14="http://schemas.microsoft.com/office/drawing/2010/main" xmlns="" w="9525">
                 <a:solidFill>
                   <a:srgbClr val="000000"/>
                 </a:solidFill>
@@ -9553,7 +9553,7 @@
             <a:fld id="{B57CFC52-B829-434F-BE29-E1800B9E1EDC}" type="datetime1">
               <a:rPr lang="en-AU" altLang="en-US"/>
               <a:pPr/>
-              <a:t>8/11/2021</a:t>
+              <a:t>11/11/2021</a:t>
             </a:fld>
             <a:endParaRPr lang="en-AU" altLang="en-US"/>
           </a:p>
@@ -9730,14 +9730,14 @@
           </a:ln>
           <a:extLst>
             <a:ext uri="{909E8E84-426E-40dd-AFC4-6F175D3DCCD1}">
-              <a14:hiddenFill xmlns="" xmlns:a14="http://schemas.microsoft.com/office/drawing/2010/main">
+              <a14:hiddenFill xmlns:a14="http://schemas.microsoft.com/office/drawing/2010/main" xmlns="">
                 <a:solidFill>
                   <a:srgbClr val="FFFFFF"/>
                 </a:solidFill>
               </a14:hiddenFill>
             </a:ext>
             <a:ext uri="{91240B29-F687-4f45-9708-019B960494DF}">
-              <a14:hiddenLine xmlns="" xmlns:a14="http://schemas.microsoft.com/office/drawing/2010/main" w="9525">
+              <a14:hiddenLine xmlns:a14="http://schemas.microsoft.com/office/drawing/2010/main" xmlns="" w="9525">
                 <a:solidFill>
                   <a:srgbClr val="000000"/>
                 </a:solidFill>
@@ -9905,14 +9905,14 @@
           </a:ln>
           <a:extLst>
             <a:ext uri="{909E8E84-426E-40dd-AFC4-6F175D3DCCD1}">
-              <a14:hiddenFill xmlns="" xmlns:a14="http://schemas.microsoft.com/office/drawing/2010/main">
+              <a14:hiddenFill xmlns:a14="http://schemas.microsoft.com/office/drawing/2010/main" xmlns="">
                 <a:solidFill>
                   <a:srgbClr val="FFFFFF"/>
                 </a:solidFill>
               </a14:hiddenFill>
             </a:ext>
             <a:ext uri="{91240B29-F687-4f45-9708-019B960494DF}">
-              <a14:hiddenLine xmlns="" xmlns:a14="http://schemas.microsoft.com/office/drawing/2010/main" w="9525">
+              <a14:hiddenLine xmlns:a14="http://schemas.microsoft.com/office/drawing/2010/main" xmlns="" w="9525">
                 <a:solidFill>
                   <a:srgbClr val="000000"/>
                 </a:solidFill>
@@ -10148,7 +10148,7 @@
             <a:fld id="{0655B283-8FEE-C74F-AB56-C9D1434B1A6C}" type="datetime1">
               <a:rPr lang="en-AU" altLang="en-US"/>
               <a:pPr/>
-              <a:t>8/11/2021</a:t>
+              <a:t>11/11/2021</a:t>
             </a:fld>
             <a:endParaRPr lang="en-AU" altLang="en-US"/>
           </a:p>
@@ -10325,14 +10325,14 @@
           </a:ln>
           <a:extLst>
             <a:ext uri="{909E8E84-426E-40dd-AFC4-6F175D3DCCD1}">
-              <a14:hiddenFill xmlns="" xmlns:a14="http://schemas.microsoft.com/office/drawing/2010/main">
+              <a14:hiddenFill xmlns:a14="http://schemas.microsoft.com/office/drawing/2010/main" xmlns="">
                 <a:solidFill>
                   <a:srgbClr val="FFFFFF"/>
                 </a:solidFill>
               </a14:hiddenFill>
             </a:ext>
             <a:ext uri="{91240B29-F687-4f45-9708-019B960494DF}">
-              <a14:hiddenLine xmlns="" xmlns:a14="http://schemas.microsoft.com/office/drawing/2010/main" w="9525">
+              <a14:hiddenLine xmlns:a14="http://schemas.microsoft.com/office/drawing/2010/main" xmlns="" w="9525">
                 <a:solidFill>
                   <a:srgbClr val="000000"/>
                 </a:solidFill>
@@ -10500,14 +10500,14 @@
           </a:ln>
           <a:extLst>
             <a:ext uri="{909E8E84-426E-40dd-AFC4-6F175D3DCCD1}">
-              <a14:hiddenFill xmlns="" xmlns:a14="http://schemas.microsoft.com/office/drawing/2010/main">
+              <a14:hiddenFill xmlns:a14="http://schemas.microsoft.com/office/drawing/2010/main" xmlns="">
                 <a:solidFill>
                   <a:srgbClr val="FFFFFF"/>
                 </a:solidFill>
               </a14:hiddenFill>
             </a:ext>
             <a:ext uri="{91240B29-F687-4f45-9708-019B960494DF}">
-              <a14:hiddenLine xmlns="" xmlns:a14="http://schemas.microsoft.com/office/drawing/2010/main" w="9525">
+              <a14:hiddenLine xmlns:a14="http://schemas.microsoft.com/office/drawing/2010/main" xmlns="" w="9525">
                 <a:solidFill>
                   <a:srgbClr val="000000"/>
                 </a:solidFill>
@@ -10925,7 +10925,7 @@
             <a:fld id="{EE5673CC-9FF4-4349-BE3C-05C36AD49101}" type="datetime1">
               <a:rPr lang="en-AU" altLang="en-US"/>
               <a:pPr/>
-              <a:t>8/11/2021</a:t>
+              <a:t>11/11/2021</a:t>
             </a:fld>
             <a:endParaRPr lang="en-AU" altLang="en-US"/>
           </a:p>
@@ -11102,14 +11102,14 @@
           </a:ln>
           <a:extLst>
             <a:ext uri="{909E8E84-426E-40dd-AFC4-6F175D3DCCD1}">
-              <a14:hiddenFill xmlns="" xmlns:a14="http://schemas.microsoft.com/office/drawing/2010/main">
+              <a14:hiddenFill xmlns:a14="http://schemas.microsoft.com/office/drawing/2010/main" xmlns="">
                 <a:solidFill>
                   <a:srgbClr val="FFFFFF"/>
                 </a:solidFill>
               </a14:hiddenFill>
             </a:ext>
             <a:ext uri="{91240B29-F687-4f45-9708-019B960494DF}">
-              <a14:hiddenLine xmlns="" xmlns:a14="http://schemas.microsoft.com/office/drawing/2010/main" w="9525">
+              <a14:hiddenLine xmlns:a14="http://schemas.microsoft.com/office/drawing/2010/main" xmlns="" w="9525">
                 <a:solidFill>
                   <a:srgbClr val="000000"/>
                 </a:solidFill>
@@ -11277,14 +11277,14 @@
           </a:ln>
           <a:extLst>
             <a:ext uri="{909E8E84-426E-40dd-AFC4-6F175D3DCCD1}">
-              <a14:hiddenFill xmlns="" xmlns:a14="http://schemas.microsoft.com/office/drawing/2010/main">
+              <a14:hiddenFill xmlns:a14="http://schemas.microsoft.com/office/drawing/2010/main" xmlns="">
                 <a:solidFill>
                   <a:srgbClr val="FFFFFF"/>
                 </a:solidFill>
               </a14:hiddenFill>
             </a:ext>
             <a:ext uri="{91240B29-F687-4f45-9708-019B960494DF}">
-              <a14:hiddenLine xmlns="" xmlns:a14="http://schemas.microsoft.com/office/drawing/2010/main" w="9525">
+              <a14:hiddenLine xmlns:a14="http://schemas.microsoft.com/office/drawing/2010/main" xmlns="" w="9525">
                 <a:solidFill>
                   <a:srgbClr val="000000"/>
                 </a:solidFill>
@@ -11681,7 +11681,7 @@
             <a:fld id="{A8DF3A06-54C5-0C4D-9086-A18E7B802AD1}" type="datetime1">
               <a:rPr lang="en-AU" altLang="en-US"/>
               <a:pPr/>
-              <a:t>8/11/2021</a:t>
+              <a:t>11/11/2021</a:t>
             </a:fld>
             <a:endParaRPr lang="en-AU" altLang="en-US"/>
           </a:p>
@@ -11850,7 +11850,7 @@
               </a14:hiddenLine>
             </a:ext>
             <a:ext uri="{FAA26D3D-D897-4be2-8F04-BA451C77F1D7}">
-              <ma14:placeholderFlag xmlns:ma14="http://schemas.microsoft.com/office/mac/drawingml/2011/main" xmlns="" val="1"/>
+              <ma14:placeholderFlag xmlns="" xmlns:ma14="http://schemas.microsoft.com/office/mac/drawingml/2011/main" val="1"/>
             </a:ext>
           </a:extLst>
         </p:spPr>
@@ -11912,7 +11912,7 @@
               </a14:hiddenLine>
             </a:ext>
             <a:ext uri="{FAA26D3D-D897-4be2-8F04-BA451C77F1D7}">
-              <ma14:placeholderFlag xmlns:ma14="http://schemas.microsoft.com/office/mac/drawingml/2011/main" xmlns="" val="1"/>
+              <ma14:placeholderFlag xmlns="" xmlns:ma14="http://schemas.microsoft.com/office/mac/drawingml/2011/main" val="1"/>
             </a:ext>
           </a:extLst>
         </p:spPr>
@@ -12018,14 +12018,14 @@
           </a:ln>
           <a:extLst>
             <a:ext uri="{909E8E84-426E-40dd-AFC4-6F175D3DCCD1}">
-              <a14:hiddenFill xmlns="" xmlns:a14="http://schemas.microsoft.com/office/drawing/2010/main">
+              <a14:hiddenFill xmlns:a14="http://schemas.microsoft.com/office/drawing/2010/main" xmlns="">
                 <a:solidFill>
                   <a:srgbClr val="FFFFFF"/>
                 </a:solidFill>
               </a14:hiddenFill>
             </a:ext>
             <a:ext uri="{91240B29-F687-4f45-9708-019B960494DF}">
-              <a14:hiddenLine xmlns="" xmlns:a14="http://schemas.microsoft.com/office/drawing/2010/main" w="9525">
+              <a14:hiddenLine xmlns:a14="http://schemas.microsoft.com/office/drawing/2010/main" xmlns="" w="9525">
                 <a:solidFill>
                   <a:srgbClr val="000000"/>
                 </a:solidFill>
@@ -12193,14 +12193,14 @@
           </a:ln>
           <a:extLst>
             <a:ext uri="{909E8E84-426E-40dd-AFC4-6F175D3DCCD1}">
-              <a14:hiddenFill xmlns="" xmlns:a14="http://schemas.microsoft.com/office/drawing/2010/main">
+              <a14:hiddenFill xmlns:a14="http://schemas.microsoft.com/office/drawing/2010/main" xmlns="">
                 <a:solidFill>
                   <a:srgbClr val="FFFFFF"/>
                 </a:solidFill>
               </a14:hiddenFill>
             </a:ext>
             <a:ext uri="{91240B29-F687-4f45-9708-019B960494DF}">
-              <a14:hiddenLine xmlns="" xmlns:a14="http://schemas.microsoft.com/office/drawing/2010/main" w="9525">
+              <a14:hiddenLine xmlns:a14="http://schemas.microsoft.com/office/drawing/2010/main" xmlns="" w="9525">
                 <a:solidFill>
                   <a:srgbClr val="000000"/>
                 </a:solidFill>
@@ -13463,12 +13463,15 @@
               <a:buFont typeface="Arial" charset="0"/>
               <a:buNone/>
             </a:pPr>
-            <a:endParaRPr lang="en-AU" altLang="en-US" sz="2000" dirty="0">
-              <a:solidFill>
-                <a:srgbClr val="000090"/>
-              </a:solidFill>
-              <a:ea typeface="ＭＳ Ｐゴシック" charset="-128"/>
-            </a:endParaRPr>
+            <a:r>
+              <a:rPr lang="en-AU" altLang="en-US" sz="2000" dirty="0">
+                <a:solidFill>
+                  <a:srgbClr val="000090"/>
+                </a:solidFill>
+                <a:ea typeface="ＭＳ Ｐゴシック" charset="-128"/>
+              </a:rPr>
+              <a:t>Catholic Social Teaching</a:t>
+            </a:r>
           </a:p>
           <a:p>
             <a:pPr marL="358775" indent="-358775">
@@ -13523,12 +13526,15 @@
               <a:buFont typeface="Arial" charset="0"/>
               <a:buNone/>
             </a:pPr>
-            <a:endParaRPr lang="en-AU" altLang="en-US" sz="2000" dirty="0">
-              <a:solidFill>
-                <a:srgbClr val="000090"/>
-              </a:solidFill>
-              <a:ea typeface="ＭＳ Ｐゴシック" charset="-128"/>
-            </a:endParaRPr>
+            <a:r>
+              <a:rPr lang="en-AU" altLang="en-US" sz="2000" dirty="0">
+                <a:solidFill>
+                  <a:srgbClr val="000090"/>
+                </a:solidFill>
+                <a:ea typeface="ＭＳ Ｐゴシック" charset="-128"/>
+              </a:rPr>
+              <a:t>Social Factors and proclaimed social Justice</a:t>
+            </a:r>
           </a:p>
           <a:p>
             <a:pPr marL="358775" indent="-358775">
@@ -13559,12 +13565,15 @@
               <a:buFont typeface="Arial" charset="0"/>
               <a:buNone/>
             </a:pPr>
-            <a:endParaRPr lang="en-AU" altLang="en-US" sz="2000" dirty="0">
-              <a:solidFill>
-                <a:srgbClr val="000090"/>
-              </a:solidFill>
-              <a:ea typeface="ＭＳ Ｐゴシック" charset="-128"/>
-            </a:endParaRPr>
+            <a:r>
+              <a:rPr lang="en-AU" altLang="en-US" sz="2000" dirty="0">
+                <a:solidFill>
+                  <a:srgbClr val="000090"/>
+                </a:solidFill>
+                <a:ea typeface="ＭＳ Ｐゴシック" charset="-128"/>
+              </a:rPr>
+              <a:t>10</a:t>
+            </a:r>
           </a:p>
           <a:p>
             <a:pPr marL="358775" indent="-358775">
@@ -13595,12 +13604,15 @@
               <a:buFont typeface="Arial" charset="0"/>
               <a:buNone/>
             </a:pPr>
-            <a:endParaRPr lang="en-AU" altLang="en-US" sz="2000" dirty="0">
-              <a:solidFill>
-                <a:srgbClr val="000090"/>
-              </a:solidFill>
-              <a:ea typeface="ＭＳ Ｐゴシック" charset="-128"/>
-            </a:endParaRPr>
+            <a:r>
+              <a:rPr lang="en-AU" altLang="en-US" sz="2000" dirty="0">
+                <a:solidFill>
+                  <a:srgbClr val="000090"/>
+                </a:solidFill>
+                <a:ea typeface="ＭＳ Ｐゴシック" charset="-128"/>
+              </a:rPr>
+              <a:t>The decision which benefits the lives of the most</a:t>
+            </a:r>
           </a:p>
         </p:txBody>
       </p:sp>
@@ -13710,7 +13722,10 @@
               <a:buNone/>
               <a:defRPr/>
             </a:pPr>
-            <a:endParaRPr lang="en-AU" sz="2000" dirty="0"/>
+            <a:r>
+              <a:rPr lang="en-AU" sz="2000" dirty="0"/>
+              <a:t>By upholding the rights of people</a:t>
+            </a:r>
           </a:p>
           <a:p>
             <a:pPr marL="358775" indent="-358775">
@@ -13734,11 +13749,14 @@
               <a:buNone/>
               <a:defRPr/>
             </a:pPr>
-            <a:endParaRPr lang="en-AU" sz="2000" dirty="0">
-              <a:solidFill>
-                <a:srgbClr val="000090"/>
-              </a:solidFill>
-            </a:endParaRPr>
+            <a:r>
+              <a:rPr lang="en-AU" sz="2000" dirty="0">
+                <a:solidFill>
+                  <a:srgbClr val="000090"/>
+                </a:solidFill>
+              </a:rPr>
+              <a:t>Stewardship of Creation</a:t>
+            </a:r>
           </a:p>
           <a:p>
             <a:pPr marL="358775" indent="-358775">
@@ -13757,6 +13775,30 @@
               <a:buNone/>
               <a:defRPr/>
             </a:pPr>
+            <a:r>
+              <a:rPr lang="en-AU" sz="2000" dirty="0" err="1">
+                <a:solidFill>
+                  <a:srgbClr val="000090"/>
+                </a:solidFill>
+              </a:rPr>
+              <a:t>Pacem</a:t>
+            </a:r>
+            <a:r>
+              <a:rPr lang="en-AU" sz="2000" dirty="0">
+                <a:solidFill>
+                  <a:srgbClr val="000090"/>
+                </a:solidFill>
+              </a:rPr>
+              <a:t> in </a:t>
+            </a:r>
+            <a:r>
+              <a:rPr lang="en-AU" sz="2000" dirty="0" err="1">
+                <a:solidFill>
+                  <a:srgbClr val="000090"/>
+                </a:solidFill>
+              </a:rPr>
+              <a:t>Terris</a:t>
+            </a:r>
             <a:endParaRPr lang="en-AU" sz="2000" dirty="0">
               <a:solidFill>
                 <a:srgbClr val="000090"/>
@@ -13908,11 +13950,14 @@
               <a:buNone/>
               <a:defRPr/>
             </a:pPr>
-            <a:endParaRPr lang="en-AU" sz="2000" dirty="0">
-              <a:solidFill>
-                <a:srgbClr val="000090"/>
-              </a:solidFill>
-            </a:endParaRPr>
+            <a:r>
+              <a:rPr lang="en-AU" sz="2000" dirty="0">
+                <a:solidFill>
+                  <a:srgbClr val="000090"/>
+                </a:solidFill>
+              </a:rPr>
+              <a:t>Catholic Bishops of Queensland</a:t>
+            </a:r>
           </a:p>
           <a:p>
             <a:pPr marL="358775" indent="-358775">
@@ -13939,6 +13984,22 @@
               <a:buNone/>
               <a:defRPr/>
             </a:pPr>
+            <a:r>
+              <a:rPr lang="en-AU" sz="2000" dirty="0">
+                <a:solidFill>
+                  <a:srgbClr val="000090"/>
+                </a:solidFill>
+              </a:rPr>
+              <a:t>Catholic Earth care </a:t>
+            </a:r>
+            <a:r>
+              <a:rPr lang="en-AU" sz="2000" dirty="0" err="1">
+                <a:solidFill>
+                  <a:srgbClr val="000090"/>
+                </a:solidFill>
+              </a:rPr>
+              <a:t>australia</a:t>
+            </a:r>
             <a:endParaRPr lang="en-AU" sz="2000" dirty="0">
               <a:solidFill>
                 <a:srgbClr val="000090"/>
